--- a/Images/SI3.pptx
+++ b/Images/SI3.pptx
@@ -197,7 +197,7 @@
           <a:p>
             <a:fld id="{0C45F89B-D0D3-4AC5-836F-869636F86470}" type="datetimeFigureOut">
               <a:rPr lang="en-US" smtClean="0"/>
-              <a:t>7/16/2021</a:t>
+              <a:t>8/24/2021</a:t>
             </a:fld>
             <a:endParaRPr lang="en-US"/>
           </a:p>
@@ -595,7 +595,7 @@
           <a:p>
             <a:fld id="{1516511B-B61A-47A9-97DC-35FBB5E54714}" type="datetimeFigureOut">
               <a:rPr lang="en-US" smtClean="0"/>
-              <a:t>7/16/2021</a:t>
+              <a:t>8/24/2021</a:t>
             </a:fld>
             <a:endParaRPr lang="en-US"/>
           </a:p>
@@ -765,7 +765,7 @@
           <a:p>
             <a:fld id="{1516511B-B61A-47A9-97DC-35FBB5E54714}" type="datetimeFigureOut">
               <a:rPr lang="en-US" smtClean="0"/>
-              <a:t>7/16/2021</a:t>
+              <a:t>8/24/2021</a:t>
             </a:fld>
             <a:endParaRPr lang="en-US"/>
           </a:p>
@@ -945,7 +945,7 @@
           <a:p>
             <a:fld id="{1516511B-B61A-47A9-97DC-35FBB5E54714}" type="datetimeFigureOut">
               <a:rPr lang="en-US" smtClean="0"/>
-              <a:t>7/16/2021</a:t>
+              <a:t>8/24/2021</a:t>
             </a:fld>
             <a:endParaRPr lang="en-US"/>
           </a:p>
@@ -1115,7 +1115,7 @@
           <a:p>
             <a:fld id="{1516511B-B61A-47A9-97DC-35FBB5E54714}" type="datetimeFigureOut">
               <a:rPr lang="en-US" smtClean="0"/>
-              <a:t>7/16/2021</a:t>
+              <a:t>8/24/2021</a:t>
             </a:fld>
             <a:endParaRPr lang="en-US"/>
           </a:p>
@@ -1359,7 +1359,7 @@
           <a:p>
             <a:fld id="{1516511B-B61A-47A9-97DC-35FBB5E54714}" type="datetimeFigureOut">
               <a:rPr lang="en-US" smtClean="0"/>
-              <a:t>7/16/2021</a:t>
+              <a:t>8/24/2021</a:t>
             </a:fld>
             <a:endParaRPr lang="en-US"/>
           </a:p>
@@ -1591,7 +1591,7 @@
           <a:p>
             <a:fld id="{1516511B-B61A-47A9-97DC-35FBB5E54714}" type="datetimeFigureOut">
               <a:rPr lang="en-US" smtClean="0"/>
-              <a:t>7/16/2021</a:t>
+              <a:t>8/24/2021</a:t>
             </a:fld>
             <a:endParaRPr lang="en-US"/>
           </a:p>
@@ -1958,7 +1958,7 @@
           <a:p>
             <a:fld id="{1516511B-B61A-47A9-97DC-35FBB5E54714}" type="datetimeFigureOut">
               <a:rPr lang="en-US" smtClean="0"/>
-              <a:t>7/16/2021</a:t>
+              <a:t>8/24/2021</a:t>
             </a:fld>
             <a:endParaRPr lang="en-US"/>
           </a:p>
@@ -2076,7 +2076,7 @@
           <a:p>
             <a:fld id="{1516511B-B61A-47A9-97DC-35FBB5E54714}" type="datetimeFigureOut">
               <a:rPr lang="en-US" smtClean="0"/>
-              <a:t>7/16/2021</a:t>
+              <a:t>8/24/2021</a:t>
             </a:fld>
             <a:endParaRPr lang="en-US"/>
           </a:p>
@@ -2171,7 +2171,7 @@
           <a:p>
             <a:fld id="{1516511B-B61A-47A9-97DC-35FBB5E54714}" type="datetimeFigureOut">
               <a:rPr lang="en-US" smtClean="0"/>
-              <a:t>7/16/2021</a:t>
+              <a:t>8/24/2021</a:t>
             </a:fld>
             <a:endParaRPr lang="en-US"/>
           </a:p>
@@ -2448,7 +2448,7 @@
           <a:p>
             <a:fld id="{1516511B-B61A-47A9-97DC-35FBB5E54714}" type="datetimeFigureOut">
               <a:rPr lang="en-US" smtClean="0"/>
-              <a:t>7/16/2021</a:t>
+              <a:t>8/24/2021</a:t>
             </a:fld>
             <a:endParaRPr lang="en-US"/>
           </a:p>
@@ -2705,7 +2705,7 @@
           <a:p>
             <a:fld id="{1516511B-B61A-47A9-97DC-35FBB5E54714}" type="datetimeFigureOut">
               <a:rPr lang="en-US" smtClean="0"/>
-              <a:t>7/16/2021</a:t>
+              <a:t>8/24/2021</a:t>
             </a:fld>
             <a:endParaRPr lang="en-US"/>
           </a:p>
@@ -2918,7 +2918,7 @@
           <a:p>
             <a:fld id="{1516511B-B61A-47A9-97DC-35FBB5E54714}" type="datetimeFigureOut">
               <a:rPr lang="en-US" smtClean="0"/>
-              <a:t>7/16/2021</a:t>
+              <a:t>8/24/2021</a:t>
             </a:fld>
             <a:endParaRPr lang="en-US"/>
           </a:p>
@@ -3526,7 +3526,7 @@
         <p:spPr>
           <a:xfrm>
             <a:off x="102685" y="91377"/>
-            <a:ext cx="300082" cy="369332"/>
+            <a:ext cx="351378" cy="369332"/>
           </a:xfrm>
           <a:prstGeom prst="rect">
             <a:avLst/>
@@ -3544,7 +3544,7 @@
                 <a:latin typeface="Times New Roman" panose="02020603050405020304" pitchFamily="18" charset="0"/>
                 <a:cs typeface="Times New Roman" panose="02020603050405020304" pitchFamily="18" charset="0"/>
               </a:rPr>
-              <a:t>a</a:t>
+              <a:t>A</a:t>
             </a:r>
           </a:p>
         </p:txBody>
@@ -3564,7 +3564,7 @@
         <p:spPr>
           <a:xfrm>
             <a:off x="4633379" y="128027"/>
-            <a:ext cx="312906" cy="369332"/>
+            <a:ext cx="338554" cy="369332"/>
           </a:xfrm>
           <a:prstGeom prst="rect">
             <a:avLst/>
@@ -3582,7 +3582,7 @@
                 <a:latin typeface="Times New Roman" panose="02020603050405020304" pitchFamily="18" charset="0"/>
                 <a:cs typeface="Times New Roman" panose="02020603050405020304" pitchFamily="18" charset="0"/>
               </a:rPr>
-              <a:t>b</a:t>
+              <a:t>B</a:t>
             </a:r>
           </a:p>
         </p:txBody>
@@ -3602,7 +3602,7 @@
         <p:spPr>
           <a:xfrm>
             <a:off x="102685" y="3789585"/>
-            <a:ext cx="287258" cy="369332"/>
+            <a:ext cx="351378" cy="369332"/>
           </a:xfrm>
           <a:prstGeom prst="rect">
             <a:avLst/>
@@ -3620,7 +3620,7 @@
                 <a:latin typeface="Times New Roman" panose="02020603050405020304" pitchFamily="18" charset="0"/>
                 <a:cs typeface="Times New Roman" panose="02020603050405020304" pitchFamily="18" charset="0"/>
               </a:rPr>
-              <a:t>c</a:t>
+              <a:t>C</a:t>
             </a:r>
           </a:p>
         </p:txBody>
@@ -3640,7 +3640,7 @@
         <p:spPr>
           <a:xfrm>
             <a:off x="4711994" y="3789585"/>
-            <a:ext cx="312906" cy="369332"/>
+            <a:ext cx="351378" cy="369332"/>
           </a:xfrm>
           <a:prstGeom prst="rect">
             <a:avLst/>
@@ -3658,7 +3658,7 @@
                 <a:latin typeface="Times New Roman" panose="02020603050405020304" pitchFamily="18" charset="0"/>
                 <a:cs typeface="Times New Roman" panose="02020603050405020304" pitchFamily="18" charset="0"/>
               </a:rPr>
-              <a:t>d</a:t>
+              <a:t>D</a:t>
             </a:r>
           </a:p>
         </p:txBody>

--- a/Images/SI3.pptx
+++ b/Images/SI3.pptx
@@ -197,7 +197,7 @@
           <a:p>
             <a:fld id="{0C45F89B-D0D3-4AC5-836F-869636F86470}" type="datetimeFigureOut">
               <a:rPr lang="en-US" smtClean="0"/>
-              <a:t>8/24/2021</a:t>
+              <a:t>10/1/2021</a:t>
             </a:fld>
             <a:endParaRPr lang="en-US"/>
           </a:p>
@@ -595,7 +595,7 @@
           <a:p>
             <a:fld id="{1516511B-B61A-47A9-97DC-35FBB5E54714}" type="datetimeFigureOut">
               <a:rPr lang="en-US" smtClean="0"/>
-              <a:t>8/24/2021</a:t>
+              <a:t>10/1/2021</a:t>
             </a:fld>
             <a:endParaRPr lang="en-US"/>
           </a:p>
@@ -765,7 +765,7 @@
           <a:p>
             <a:fld id="{1516511B-B61A-47A9-97DC-35FBB5E54714}" type="datetimeFigureOut">
               <a:rPr lang="en-US" smtClean="0"/>
-              <a:t>8/24/2021</a:t>
+              <a:t>10/1/2021</a:t>
             </a:fld>
             <a:endParaRPr lang="en-US"/>
           </a:p>
@@ -945,7 +945,7 @@
           <a:p>
             <a:fld id="{1516511B-B61A-47A9-97DC-35FBB5E54714}" type="datetimeFigureOut">
               <a:rPr lang="en-US" smtClean="0"/>
-              <a:t>8/24/2021</a:t>
+              <a:t>10/1/2021</a:t>
             </a:fld>
             <a:endParaRPr lang="en-US"/>
           </a:p>
@@ -1115,7 +1115,7 @@
           <a:p>
             <a:fld id="{1516511B-B61A-47A9-97DC-35FBB5E54714}" type="datetimeFigureOut">
               <a:rPr lang="en-US" smtClean="0"/>
-              <a:t>8/24/2021</a:t>
+              <a:t>10/1/2021</a:t>
             </a:fld>
             <a:endParaRPr lang="en-US"/>
           </a:p>
@@ -1359,7 +1359,7 @@
           <a:p>
             <a:fld id="{1516511B-B61A-47A9-97DC-35FBB5E54714}" type="datetimeFigureOut">
               <a:rPr lang="en-US" smtClean="0"/>
-              <a:t>8/24/2021</a:t>
+              <a:t>10/1/2021</a:t>
             </a:fld>
             <a:endParaRPr lang="en-US"/>
           </a:p>
@@ -1591,7 +1591,7 @@
           <a:p>
             <a:fld id="{1516511B-B61A-47A9-97DC-35FBB5E54714}" type="datetimeFigureOut">
               <a:rPr lang="en-US" smtClean="0"/>
-              <a:t>8/24/2021</a:t>
+              <a:t>10/1/2021</a:t>
             </a:fld>
             <a:endParaRPr lang="en-US"/>
           </a:p>
@@ -1958,7 +1958,7 @@
           <a:p>
             <a:fld id="{1516511B-B61A-47A9-97DC-35FBB5E54714}" type="datetimeFigureOut">
               <a:rPr lang="en-US" smtClean="0"/>
-              <a:t>8/24/2021</a:t>
+              <a:t>10/1/2021</a:t>
             </a:fld>
             <a:endParaRPr lang="en-US"/>
           </a:p>
@@ -2076,7 +2076,7 @@
           <a:p>
             <a:fld id="{1516511B-B61A-47A9-97DC-35FBB5E54714}" type="datetimeFigureOut">
               <a:rPr lang="en-US" smtClean="0"/>
-              <a:t>8/24/2021</a:t>
+              <a:t>10/1/2021</a:t>
             </a:fld>
             <a:endParaRPr lang="en-US"/>
           </a:p>
@@ -2171,7 +2171,7 @@
           <a:p>
             <a:fld id="{1516511B-B61A-47A9-97DC-35FBB5E54714}" type="datetimeFigureOut">
               <a:rPr lang="en-US" smtClean="0"/>
-              <a:t>8/24/2021</a:t>
+              <a:t>10/1/2021</a:t>
             </a:fld>
             <a:endParaRPr lang="en-US"/>
           </a:p>
@@ -2448,7 +2448,7 @@
           <a:p>
             <a:fld id="{1516511B-B61A-47A9-97DC-35FBB5E54714}" type="datetimeFigureOut">
               <a:rPr lang="en-US" smtClean="0"/>
-              <a:t>8/24/2021</a:t>
+              <a:t>10/1/2021</a:t>
             </a:fld>
             <a:endParaRPr lang="en-US"/>
           </a:p>
@@ -2705,7 +2705,7 @@
           <a:p>
             <a:fld id="{1516511B-B61A-47A9-97DC-35FBB5E54714}" type="datetimeFigureOut">
               <a:rPr lang="en-US" smtClean="0"/>
-              <a:t>8/24/2021</a:t>
+              <a:t>10/1/2021</a:t>
             </a:fld>
             <a:endParaRPr lang="en-US"/>
           </a:p>
@@ -2918,7 +2918,7 @@
           <a:p>
             <a:fld id="{1516511B-B61A-47A9-97DC-35FBB5E54714}" type="datetimeFigureOut">
               <a:rPr lang="en-US" smtClean="0"/>
-              <a:t>8/24/2021</a:t>
+              <a:t>10/1/2021</a:t>
             </a:fld>
             <a:endParaRPr lang="en-US"/>
           </a:p>
@@ -3325,100 +3325,6 @@
       </p:grpSpPr>
       <p:pic>
         <p:nvPicPr>
-          <p:cNvPr id="1026" name="Picture 2">
-            <a:extLst>
-              <a:ext uri="{FF2B5EF4-FFF2-40B4-BE49-F238E27FC236}">
-                <a16:creationId xmlns:a16="http://schemas.microsoft.com/office/drawing/2014/main" id="{CE93DA3F-A0E9-441C-A089-7F4C19403BB3}"/>
-              </a:ext>
-            </a:extLst>
-          </p:cNvPr>
-          <p:cNvPicPr>
-            <a:picLocks noChangeAspect="1" noChangeArrowheads="1"/>
-          </p:cNvPicPr>
-          <p:nvPr/>
-        </p:nvPicPr>
-        <p:blipFill>
-          <a:blip r:embed="rId2">
-            <a:extLst>
-              <a:ext uri="{28A0092B-C50C-407E-A947-70E740481C1C}">
-                <a14:useLocalDpi xmlns:a14="http://schemas.microsoft.com/office/drawing/2010/main" val="0"/>
-              </a:ext>
-            </a:extLst>
-          </a:blip>
-          <a:srcRect/>
-          <a:stretch>
-            <a:fillRect/>
-          </a:stretch>
-        </p:blipFill>
-        <p:spPr bwMode="auto">
-          <a:xfrm>
-            <a:off x="0" y="444678"/>
-            <a:ext cx="4830776" cy="3212922"/>
-          </a:xfrm>
-          <a:prstGeom prst="rect">
-            <a:avLst/>
-          </a:prstGeom>
-          <a:noFill/>
-          <a:extLst>
-            <a:ext uri="{909E8E84-426E-40DD-AFC4-6F175D3DCCD1}">
-              <a14:hiddenFill xmlns:a14="http://schemas.microsoft.com/office/drawing/2010/main">
-                <a:solidFill>
-                  <a:srgbClr val="FFFFFF"/>
-                </a:solidFill>
-              </a14:hiddenFill>
-            </a:ext>
-          </a:extLst>
-        </p:spPr>
-      </p:pic>
-      <p:pic>
-        <p:nvPicPr>
-          <p:cNvPr id="1028" name="Picture 4">
-            <a:extLst>
-              <a:ext uri="{FF2B5EF4-FFF2-40B4-BE49-F238E27FC236}">
-                <a16:creationId xmlns:a16="http://schemas.microsoft.com/office/drawing/2014/main" id="{BCF36A28-3C85-4A0A-8D00-57E8E4DA76C4}"/>
-              </a:ext>
-            </a:extLst>
-          </p:cNvPr>
-          <p:cNvPicPr>
-            <a:picLocks noChangeAspect="1" noChangeArrowheads="1"/>
-          </p:cNvPicPr>
-          <p:nvPr/>
-        </p:nvPicPr>
-        <p:blipFill>
-          <a:blip r:embed="rId3">
-            <a:extLst>
-              <a:ext uri="{28A0092B-C50C-407E-A947-70E740481C1C}">
-                <a14:useLocalDpi xmlns:a14="http://schemas.microsoft.com/office/drawing/2010/main" val="0"/>
-              </a:ext>
-            </a:extLst>
-          </a:blip>
-          <a:srcRect/>
-          <a:stretch>
-            <a:fillRect/>
-          </a:stretch>
-        </p:blipFill>
-        <p:spPr bwMode="auto">
-          <a:xfrm>
-            <a:off x="4638459" y="413856"/>
-            <a:ext cx="4578050" cy="3243744"/>
-          </a:xfrm>
-          <a:prstGeom prst="rect">
-            <a:avLst/>
-          </a:prstGeom>
-          <a:noFill/>
-          <a:extLst>
-            <a:ext uri="{909E8E84-426E-40DD-AFC4-6F175D3DCCD1}">
-              <a14:hiddenFill xmlns:a14="http://schemas.microsoft.com/office/drawing/2010/main">
-                <a:solidFill>
-                  <a:srgbClr val="FFFFFF"/>
-                </a:solidFill>
-              </a14:hiddenFill>
-            </a:ext>
-          </a:extLst>
-        </p:spPr>
-      </p:pic>
-      <p:pic>
-        <p:nvPicPr>
           <p:cNvPr id="1030" name="Picture 6">
             <a:extLst>
               <a:ext uri="{FF2B5EF4-FFF2-40B4-BE49-F238E27FC236}">
@@ -3432,7 +3338,7 @@
           <p:nvPr/>
         </p:nvPicPr>
         <p:blipFill>
-          <a:blip r:embed="rId4">
+          <a:blip r:embed="rId2">
             <a:extLst>
               <a:ext uri="{28A0092B-C50C-407E-A947-70E740481C1C}">
                 <a14:useLocalDpi xmlns:a14="http://schemas.microsoft.com/office/drawing/2010/main" val="0"/>
@@ -3479,7 +3385,7 @@
           <p:nvPr/>
         </p:nvPicPr>
         <p:blipFill>
-          <a:blip r:embed="rId5">
+          <a:blip r:embed="rId3">
             <a:extLst>
               <a:ext uri="{28A0092B-C50C-407E-A947-70E740481C1C}">
                 <a14:useLocalDpi xmlns:a14="http://schemas.microsoft.com/office/drawing/2010/main" val="0"/>
@@ -3513,82 +3419,6 @@
       </p:pic>
       <p:sp>
         <p:nvSpPr>
-          <p:cNvPr id="2" name="TextBox 1">
-            <a:extLst>
-              <a:ext uri="{FF2B5EF4-FFF2-40B4-BE49-F238E27FC236}">
-                <a16:creationId xmlns:a16="http://schemas.microsoft.com/office/drawing/2014/main" id="{28EEEA26-654E-4B1C-B601-F3C761BD663F}"/>
-              </a:ext>
-            </a:extLst>
-          </p:cNvPr>
-          <p:cNvSpPr txBox="1"/>
-          <p:nvPr/>
-        </p:nvSpPr>
-        <p:spPr>
-          <a:xfrm>
-            <a:off x="102685" y="91377"/>
-            <a:ext cx="351378" cy="369332"/>
-          </a:xfrm>
-          <a:prstGeom prst="rect">
-            <a:avLst/>
-          </a:prstGeom>
-          <a:noFill/>
-        </p:spPr>
-        <p:txBody>
-          <a:bodyPr wrap="none" rtlCol="0">
-            <a:spAutoFit/>
-          </a:bodyPr>
-          <a:lstStyle/>
-          <a:p>
-            <a:r>
-              <a:rPr lang="en-US" b="1" dirty="0">
-                <a:latin typeface="Times New Roman" panose="02020603050405020304" pitchFamily="18" charset="0"/>
-                <a:cs typeface="Times New Roman" panose="02020603050405020304" pitchFamily="18" charset="0"/>
-              </a:rPr>
-              <a:t>A</a:t>
-            </a:r>
-          </a:p>
-        </p:txBody>
-      </p:sp>
-      <p:sp>
-        <p:nvSpPr>
-          <p:cNvPr id="14" name="TextBox 13">
-            <a:extLst>
-              <a:ext uri="{FF2B5EF4-FFF2-40B4-BE49-F238E27FC236}">
-                <a16:creationId xmlns:a16="http://schemas.microsoft.com/office/drawing/2014/main" id="{D216F0F7-7945-4CF5-AF1F-2CD39034DD73}"/>
-              </a:ext>
-            </a:extLst>
-          </p:cNvPr>
-          <p:cNvSpPr txBox="1"/>
-          <p:nvPr/>
-        </p:nvSpPr>
-        <p:spPr>
-          <a:xfrm>
-            <a:off x="4633379" y="128027"/>
-            <a:ext cx="338554" cy="369332"/>
-          </a:xfrm>
-          <a:prstGeom prst="rect">
-            <a:avLst/>
-          </a:prstGeom>
-          <a:noFill/>
-        </p:spPr>
-        <p:txBody>
-          <a:bodyPr wrap="none" rtlCol="0">
-            <a:spAutoFit/>
-          </a:bodyPr>
-          <a:lstStyle/>
-          <a:p>
-            <a:r>
-              <a:rPr lang="en-US" b="1" dirty="0">
-                <a:latin typeface="Times New Roman" panose="02020603050405020304" pitchFamily="18" charset="0"/>
-                <a:cs typeface="Times New Roman" panose="02020603050405020304" pitchFamily="18" charset="0"/>
-              </a:rPr>
-              <a:t>B</a:t>
-            </a:r>
-          </a:p>
-        </p:txBody>
-      </p:sp>
-      <p:sp>
-        <p:nvSpPr>
           <p:cNvPr id="15" name="TextBox 14">
             <a:extLst>
               <a:ext uri="{FF2B5EF4-FFF2-40B4-BE49-F238E27FC236}">
@@ -3659,6 +3489,698 @@
                 <a:cs typeface="Times New Roman" panose="02020603050405020304" pitchFamily="18" charset="0"/>
               </a:rPr>
               <a:t>D</a:t>
+            </a:r>
+          </a:p>
+        </p:txBody>
+      </p:sp>
+      <p:sp>
+        <p:nvSpPr>
+          <p:cNvPr id="3" name="TextBox 2">
+            <a:extLst>
+              <a:ext uri="{FF2B5EF4-FFF2-40B4-BE49-F238E27FC236}">
+                <a16:creationId xmlns:a16="http://schemas.microsoft.com/office/drawing/2014/main" id="{E15B6933-6675-4FF9-9AEB-5B9743DF0E30}"/>
+              </a:ext>
+            </a:extLst>
+          </p:cNvPr>
+          <p:cNvSpPr txBox="1"/>
+          <p:nvPr/>
+        </p:nvSpPr>
+        <p:spPr>
+          <a:xfrm>
+            <a:off x="2092228" y="6946823"/>
+            <a:ext cx="2710428" cy="276999"/>
+          </a:xfrm>
+          <a:prstGeom prst="rect">
+            <a:avLst/>
+          </a:prstGeom>
+          <a:solidFill>
+            <a:schemeClr val="bg1"/>
+          </a:solidFill>
+        </p:spPr>
+        <p:txBody>
+          <a:bodyPr wrap="square" rtlCol="0">
+            <a:spAutoFit/>
+          </a:bodyPr>
+          <a:lstStyle/>
+          <a:p>
+            <a:r>
+              <a:rPr lang="en-US" sz="1200" dirty="0">
+                <a:latin typeface="Times New Roman" panose="02020603050405020304" pitchFamily="18" charset="0"/>
+                <a:cs typeface="Times New Roman" panose="02020603050405020304" pitchFamily="18" charset="0"/>
+              </a:rPr>
+              <a:t>Positive degree</a:t>
+            </a:r>
+          </a:p>
+        </p:txBody>
+      </p:sp>
+      <p:sp>
+        <p:nvSpPr>
+          <p:cNvPr id="11" name="TextBox 10">
+            <a:extLst>
+              <a:ext uri="{FF2B5EF4-FFF2-40B4-BE49-F238E27FC236}">
+                <a16:creationId xmlns:a16="http://schemas.microsoft.com/office/drawing/2014/main" id="{AB871EE6-722F-490D-81B2-9F7FFCBC6FC5}"/>
+              </a:ext>
+            </a:extLst>
+          </p:cNvPr>
+          <p:cNvSpPr txBox="1"/>
+          <p:nvPr/>
+        </p:nvSpPr>
+        <p:spPr>
+          <a:xfrm rot="16200000">
+            <a:off x="-472159" y="5279218"/>
+            <a:ext cx="1426687" cy="276999"/>
+          </a:xfrm>
+          <a:prstGeom prst="rect">
+            <a:avLst/>
+          </a:prstGeom>
+          <a:solidFill>
+            <a:schemeClr val="bg1"/>
+          </a:solidFill>
+        </p:spPr>
+        <p:txBody>
+          <a:bodyPr wrap="square" rtlCol="0">
+            <a:spAutoFit/>
+          </a:bodyPr>
+          <a:lstStyle/>
+          <a:p>
+            <a:r>
+              <a:rPr lang="en-US" sz="1200" dirty="0">
+                <a:latin typeface="Times New Roman" panose="02020603050405020304" pitchFamily="18" charset="0"/>
+                <a:cs typeface="Times New Roman" panose="02020603050405020304" pitchFamily="18" charset="0"/>
+              </a:rPr>
+              <a:t>Negative degree</a:t>
+            </a:r>
+          </a:p>
+        </p:txBody>
+      </p:sp>
+      <p:sp>
+        <p:nvSpPr>
+          <p:cNvPr id="12" name="TextBox 11">
+            <a:extLst>
+              <a:ext uri="{FF2B5EF4-FFF2-40B4-BE49-F238E27FC236}">
+                <a16:creationId xmlns:a16="http://schemas.microsoft.com/office/drawing/2014/main" id="{7A5EA22C-1922-442B-9102-DFD460CF76E8}"/>
+              </a:ext>
+            </a:extLst>
+          </p:cNvPr>
+          <p:cNvSpPr txBox="1"/>
+          <p:nvPr/>
+        </p:nvSpPr>
+        <p:spPr>
+          <a:xfrm>
+            <a:off x="681918" y="3974251"/>
+            <a:ext cx="3753167" cy="276999"/>
+          </a:xfrm>
+          <a:prstGeom prst="rect">
+            <a:avLst/>
+          </a:prstGeom>
+          <a:solidFill>
+            <a:schemeClr val="bg1"/>
+          </a:solidFill>
+        </p:spPr>
+        <p:txBody>
+          <a:bodyPr wrap="square" rtlCol="0">
+            <a:spAutoFit/>
+          </a:bodyPr>
+          <a:lstStyle/>
+          <a:p>
+            <a:r>
+              <a:rPr lang="en-US" sz="1200" dirty="0">
+                <a:latin typeface="Times New Roman" panose="02020603050405020304" pitchFamily="18" charset="0"/>
+                <a:cs typeface="Times New Roman" panose="02020603050405020304" pitchFamily="18" charset="0"/>
+              </a:rPr>
+              <a:t>                  Ligands in Network-Derived Negatives</a:t>
+            </a:r>
+          </a:p>
+        </p:txBody>
+      </p:sp>
+      <p:sp>
+        <p:nvSpPr>
+          <p:cNvPr id="19" name="TextBox 18">
+            <a:extLst>
+              <a:ext uri="{FF2B5EF4-FFF2-40B4-BE49-F238E27FC236}">
+                <a16:creationId xmlns:a16="http://schemas.microsoft.com/office/drawing/2014/main" id="{1E0BB3AA-4063-48EE-97E0-A988341D9469}"/>
+              </a:ext>
+            </a:extLst>
+          </p:cNvPr>
+          <p:cNvSpPr txBox="1"/>
+          <p:nvPr/>
+        </p:nvSpPr>
+        <p:spPr>
+          <a:xfrm>
+            <a:off x="6635275" y="6910174"/>
+            <a:ext cx="1132080" cy="276999"/>
+          </a:xfrm>
+          <a:prstGeom prst="rect">
+            <a:avLst/>
+          </a:prstGeom>
+          <a:solidFill>
+            <a:schemeClr val="bg1"/>
+          </a:solidFill>
+        </p:spPr>
+        <p:txBody>
+          <a:bodyPr wrap="square" rtlCol="0">
+            <a:spAutoFit/>
+          </a:bodyPr>
+          <a:lstStyle/>
+          <a:p>
+            <a:r>
+              <a:rPr lang="en-US" sz="1200" dirty="0">
+                <a:latin typeface="Times New Roman" panose="02020603050405020304" pitchFamily="18" charset="0"/>
+                <a:cs typeface="Times New Roman" panose="02020603050405020304" pitchFamily="18" charset="0"/>
+              </a:rPr>
+              <a:t>Positive degree</a:t>
+            </a:r>
+          </a:p>
+        </p:txBody>
+      </p:sp>
+      <p:grpSp>
+        <p:nvGrpSpPr>
+          <p:cNvPr id="4" name="Group 3">
+            <a:extLst>
+              <a:ext uri="{FF2B5EF4-FFF2-40B4-BE49-F238E27FC236}">
+                <a16:creationId xmlns:a16="http://schemas.microsoft.com/office/drawing/2014/main" id="{952ABF0B-1E19-4234-AFAE-9163B33D1411}"/>
+              </a:ext>
+            </a:extLst>
+          </p:cNvPr>
+          <p:cNvGrpSpPr/>
+          <p:nvPr/>
+        </p:nvGrpSpPr>
+        <p:grpSpPr>
+          <a:xfrm>
+            <a:off x="13695" y="9311"/>
+            <a:ext cx="4970441" cy="3572737"/>
+            <a:chOff x="1492" y="91377"/>
+            <a:chExt cx="4970441" cy="3572737"/>
+          </a:xfrm>
+        </p:grpSpPr>
+        <p:pic>
+          <p:nvPicPr>
+            <p:cNvPr id="1026" name="Picture 2">
+              <a:extLst>
+                <a:ext uri="{FF2B5EF4-FFF2-40B4-BE49-F238E27FC236}">
+                  <a16:creationId xmlns:a16="http://schemas.microsoft.com/office/drawing/2014/main" id="{CE93DA3F-A0E9-441C-A089-7F4C19403BB3}"/>
+                </a:ext>
+              </a:extLst>
+            </p:cNvPr>
+            <p:cNvPicPr>
+              <a:picLocks noChangeAspect="1" noChangeArrowheads="1"/>
+            </p:cNvPicPr>
+            <p:nvPr/>
+          </p:nvPicPr>
+          <p:blipFill>
+            <a:blip r:embed="rId4">
+              <a:extLst>
+                <a:ext uri="{28A0092B-C50C-407E-A947-70E740481C1C}">
+                  <a14:useLocalDpi xmlns:a14="http://schemas.microsoft.com/office/drawing/2010/main" val="0"/>
+                </a:ext>
+              </a:extLst>
+            </a:blip>
+            <a:srcRect/>
+            <a:stretch>
+              <a:fillRect/>
+            </a:stretch>
+          </p:blipFill>
+          <p:spPr bwMode="auto">
+            <a:xfrm>
+              <a:off x="38007" y="413856"/>
+              <a:ext cx="4830776" cy="3212922"/>
+            </a:xfrm>
+            <a:prstGeom prst="rect">
+              <a:avLst/>
+            </a:prstGeom>
+            <a:noFill/>
+            <a:extLst>
+              <a:ext uri="{909E8E84-426E-40DD-AFC4-6F175D3DCCD1}">
+                <a14:hiddenFill xmlns:a14="http://schemas.microsoft.com/office/drawing/2010/main">
+                  <a:solidFill>
+                    <a:srgbClr val="FFFFFF"/>
+                  </a:solidFill>
+                </a14:hiddenFill>
+              </a:ext>
+            </a:extLst>
+          </p:spPr>
+        </p:pic>
+        <p:sp>
+          <p:nvSpPr>
+            <p:cNvPr id="2" name="TextBox 1">
+              <a:extLst>
+                <a:ext uri="{FF2B5EF4-FFF2-40B4-BE49-F238E27FC236}">
+                  <a16:creationId xmlns:a16="http://schemas.microsoft.com/office/drawing/2014/main" id="{28EEEA26-654E-4B1C-B601-F3C761BD663F}"/>
+                </a:ext>
+              </a:extLst>
+            </p:cNvPr>
+            <p:cNvSpPr txBox="1"/>
+            <p:nvPr/>
+          </p:nvSpPr>
+          <p:spPr>
+            <a:xfrm>
+              <a:off x="102685" y="91377"/>
+              <a:ext cx="351378" cy="369332"/>
+            </a:xfrm>
+            <a:prstGeom prst="rect">
+              <a:avLst/>
+            </a:prstGeom>
+            <a:noFill/>
+          </p:spPr>
+          <p:txBody>
+            <a:bodyPr wrap="none" rtlCol="0">
+              <a:spAutoFit/>
+            </a:bodyPr>
+            <a:lstStyle/>
+            <a:p>
+              <a:r>
+                <a:rPr lang="en-US" b="1" dirty="0">
+                  <a:latin typeface="Times New Roman" panose="02020603050405020304" pitchFamily="18" charset="0"/>
+                  <a:cs typeface="Times New Roman" panose="02020603050405020304" pitchFamily="18" charset="0"/>
+                </a:rPr>
+                <a:t>A</a:t>
+              </a:r>
+            </a:p>
+          </p:txBody>
+        </p:sp>
+        <p:sp>
+          <p:nvSpPr>
+            <p:cNvPr id="14" name="TextBox 13">
+              <a:extLst>
+                <a:ext uri="{FF2B5EF4-FFF2-40B4-BE49-F238E27FC236}">
+                  <a16:creationId xmlns:a16="http://schemas.microsoft.com/office/drawing/2014/main" id="{D216F0F7-7945-4CF5-AF1F-2CD39034DD73}"/>
+                </a:ext>
+              </a:extLst>
+            </p:cNvPr>
+            <p:cNvSpPr txBox="1"/>
+            <p:nvPr/>
+          </p:nvSpPr>
+          <p:spPr>
+            <a:xfrm>
+              <a:off x="4633379" y="128027"/>
+              <a:ext cx="338554" cy="369332"/>
+            </a:xfrm>
+            <a:prstGeom prst="rect">
+              <a:avLst/>
+            </a:prstGeom>
+            <a:noFill/>
+          </p:spPr>
+          <p:txBody>
+            <a:bodyPr wrap="none" rtlCol="0">
+              <a:spAutoFit/>
+            </a:bodyPr>
+            <a:lstStyle/>
+            <a:p>
+              <a:r>
+                <a:rPr lang="en-US" b="1" dirty="0">
+                  <a:latin typeface="Times New Roman" panose="02020603050405020304" pitchFamily="18" charset="0"/>
+                  <a:cs typeface="Times New Roman" panose="02020603050405020304" pitchFamily="18" charset="0"/>
+                </a:rPr>
+                <a:t>B</a:t>
+              </a:r>
+            </a:p>
+          </p:txBody>
+        </p:sp>
+        <p:sp>
+          <p:nvSpPr>
+            <p:cNvPr id="13" name="TextBox 12">
+              <a:extLst>
+                <a:ext uri="{FF2B5EF4-FFF2-40B4-BE49-F238E27FC236}">
+                  <a16:creationId xmlns:a16="http://schemas.microsoft.com/office/drawing/2014/main" id="{700990B0-DBFA-4454-BEDB-0427719E955C}"/>
+                </a:ext>
+              </a:extLst>
+            </p:cNvPr>
+            <p:cNvSpPr txBox="1"/>
+            <p:nvPr/>
+          </p:nvSpPr>
+          <p:spPr>
+            <a:xfrm>
+              <a:off x="877672" y="383034"/>
+              <a:ext cx="3753167" cy="276999"/>
+            </a:xfrm>
+            <a:prstGeom prst="rect">
+              <a:avLst/>
+            </a:prstGeom>
+            <a:solidFill>
+              <a:schemeClr val="bg1"/>
+            </a:solidFill>
+          </p:spPr>
+          <p:txBody>
+            <a:bodyPr wrap="square" rtlCol="0">
+              <a:spAutoFit/>
+            </a:bodyPr>
+            <a:lstStyle/>
+            <a:p>
+              <a:r>
+                <a:rPr lang="en-US" sz="1200" dirty="0">
+                  <a:latin typeface="Times New Roman" panose="02020603050405020304" pitchFamily="18" charset="0"/>
+                  <a:cs typeface="Times New Roman" panose="02020603050405020304" pitchFamily="18" charset="0"/>
+                </a:rPr>
+                <a:t>                  Ligands in Random Negatives</a:t>
+              </a:r>
+            </a:p>
+          </p:txBody>
+        </p:sp>
+        <p:sp>
+          <p:nvSpPr>
+            <p:cNvPr id="17" name="TextBox 16">
+              <a:extLst>
+                <a:ext uri="{FF2B5EF4-FFF2-40B4-BE49-F238E27FC236}">
+                  <a16:creationId xmlns:a16="http://schemas.microsoft.com/office/drawing/2014/main" id="{D3296D68-3591-4D4A-AB0E-06BD285E8E19}"/>
+                </a:ext>
+              </a:extLst>
+            </p:cNvPr>
+            <p:cNvSpPr txBox="1"/>
+            <p:nvPr/>
+          </p:nvSpPr>
+          <p:spPr>
+            <a:xfrm>
+              <a:off x="2001566" y="3387115"/>
+              <a:ext cx="2710428" cy="276999"/>
+            </a:xfrm>
+            <a:prstGeom prst="rect">
+              <a:avLst/>
+            </a:prstGeom>
+            <a:solidFill>
+              <a:schemeClr val="bg1"/>
+            </a:solidFill>
+          </p:spPr>
+          <p:txBody>
+            <a:bodyPr wrap="square" rtlCol="0">
+              <a:spAutoFit/>
+            </a:bodyPr>
+            <a:lstStyle/>
+            <a:p>
+              <a:r>
+                <a:rPr lang="en-US" sz="1200" dirty="0">
+                  <a:latin typeface="Times New Roman" panose="02020603050405020304" pitchFamily="18" charset="0"/>
+                  <a:cs typeface="Times New Roman" panose="02020603050405020304" pitchFamily="18" charset="0"/>
+                </a:rPr>
+                <a:t>Positive degree</a:t>
+              </a:r>
+            </a:p>
+          </p:txBody>
+        </p:sp>
+        <p:sp>
+          <p:nvSpPr>
+            <p:cNvPr id="20" name="TextBox 19">
+              <a:extLst>
+                <a:ext uri="{FF2B5EF4-FFF2-40B4-BE49-F238E27FC236}">
+                  <a16:creationId xmlns:a16="http://schemas.microsoft.com/office/drawing/2014/main" id="{7FC3421A-D4B2-4D58-B0A2-C09DE4C7DA00}"/>
+                </a:ext>
+              </a:extLst>
+            </p:cNvPr>
+            <p:cNvSpPr txBox="1"/>
+            <p:nvPr/>
+          </p:nvSpPr>
+          <p:spPr>
+            <a:xfrm rot="16200000">
+              <a:off x="-573352" y="1668001"/>
+              <a:ext cx="1426687" cy="276999"/>
+            </a:xfrm>
+            <a:prstGeom prst="rect">
+              <a:avLst/>
+            </a:prstGeom>
+            <a:solidFill>
+              <a:schemeClr val="bg1"/>
+            </a:solidFill>
+          </p:spPr>
+          <p:txBody>
+            <a:bodyPr wrap="square" rtlCol="0">
+              <a:spAutoFit/>
+            </a:bodyPr>
+            <a:lstStyle/>
+            <a:p>
+              <a:r>
+                <a:rPr lang="en-US" sz="1200" dirty="0">
+                  <a:latin typeface="Times New Roman" panose="02020603050405020304" pitchFamily="18" charset="0"/>
+                  <a:cs typeface="Times New Roman" panose="02020603050405020304" pitchFamily="18" charset="0"/>
+                </a:rPr>
+                <a:t>Negative degree</a:t>
+              </a:r>
+            </a:p>
+          </p:txBody>
+        </p:sp>
+      </p:grpSp>
+      <p:grpSp>
+        <p:nvGrpSpPr>
+          <p:cNvPr id="5" name="Group 4">
+            <a:extLst>
+              <a:ext uri="{FF2B5EF4-FFF2-40B4-BE49-F238E27FC236}">
+                <a16:creationId xmlns:a16="http://schemas.microsoft.com/office/drawing/2014/main" id="{4C75C624-910D-4CBC-AE8D-A56A818768EA}"/>
+              </a:ext>
+            </a:extLst>
+          </p:cNvPr>
+          <p:cNvGrpSpPr/>
+          <p:nvPr/>
+        </p:nvGrpSpPr>
+        <p:grpSpPr>
+          <a:xfrm>
+            <a:off x="4643042" y="290496"/>
+            <a:ext cx="4535472" cy="3288464"/>
+            <a:chOff x="4653191" y="330266"/>
+            <a:chExt cx="4535472" cy="3288464"/>
+          </a:xfrm>
+        </p:grpSpPr>
+        <p:pic>
+          <p:nvPicPr>
+            <p:cNvPr id="1028" name="Picture 4">
+              <a:extLst>
+                <a:ext uri="{FF2B5EF4-FFF2-40B4-BE49-F238E27FC236}">
+                  <a16:creationId xmlns:a16="http://schemas.microsoft.com/office/drawing/2014/main" id="{BCF36A28-3C85-4A0A-8D00-57E8E4DA76C4}"/>
+                </a:ext>
+              </a:extLst>
+            </p:cNvPr>
+            <p:cNvPicPr>
+              <a:picLocks noChangeAspect="1" noChangeArrowheads="1"/>
+            </p:cNvPicPr>
+            <p:nvPr/>
+          </p:nvPicPr>
+          <p:blipFill>
+            <a:blip r:embed="rId5">
+              <a:extLst>
+                <a:ext uri="{28A0092B-C50C-407E-A947-70E740481C1C}">
+                  <a14:useLocalDpi xmlns:a14="http://schemas.microsoft.com/office/drawing/2010/main" val="0"/>
+                </a:ext>
+              </a:extLst>
+            </a:blip>
+            <a:srcRect/>
+            <a:stretch>
+              <a:fillRect/>
+            </a:stretch>
+          </p:blipFill>
+          <p:spPr bwMode="auto">
+            <a:xfrm>
+              <a:off x="4653191" y="368472"/>
+              <a:ext cx="4535472" cy="3213576"/>
+            </a:xfrm>
+            <a:prstGeom prst="rect">
+              <a:avLst/>
+            </a:prstGeom>
+            <a:noFill/>
+            <a:extLst>
+              <a:ext uri="{909E8E84-426E-40DD-AFC4-6F175D3DCCD1}">
+                <a14:hiddenFill xmlns:a14="http://schemas.microsoft.com/office/drawing/2010/main">
+                  <a:solidFill>
+                    <a:srgbClr val="FFFFFF"/>
+                  </a:solidFill>
+                </a14:hiddenFill>
+              </a:ext>
+            </a:extLst>
+          </p:spPr>
+        </p:pic>
+        <p:sp>
+          <p:nvSpPr>
+            <p:cNvPr id="18" name="TextBox 17">
+              <a:extLst>
+                <a:ext uri="{FF2B5EF4-FFF2-40B4-BE49-F238E27FC236}">
+                  <a16:creationId xmlns:a16="http://schemas.microsoft.com/office/drawing/2014/main" id="{A2C08DF6-9FEC-41BC-B6BD-1E7FF83796E5}"/>
+                </a:ext>
+              </a:extLst>
+            </p:cNvPr>
+            <p:cNvSpPr txBox="1"/>
+            <p:nvPr/>
+          </p:nvSpPr>
+          <p:spPr>
+            <a:xfrm>
+              <a:off x="6645424" y="3341731"/>
+              <a:ext cx="1142880" cy="276999"/>
+            </a:xfrm>
+            <a:prstGeom prst="rect">
+              <a:avLst/>
+            </a:prstGeom>
+            <a:solidFill>
+              <a:schemeClr val="bg1"/>
+            </a:solidFill>
+          </p:spPr>
+          <p:txBody>
+            <a:bodyPr wrap="square" rtlCol="0">
+              <a:spAutoFit/>
+            </a:bodyPr>
+            <a:lstStyle/>
+            <a:p>
+              <a:r>
+                <a:rPr lang="en-US" sz="1200" dirty="0">
+                  <a:latin typeface="Times New Roman" panose="02020603050405020304" pitchFamily="18" charset="0"/>
+                  <a:cs typeface="Times New Roman" panose="02020603050405020304" pitchFamily="18" charset="0"/>
+                </a:rPr>
+                <a:t>Positive degree</a:t>
+              </a:r>
+            </a:p>
+          </p:txBody>
+        </p:sp>
+        <p:sp>
+          <p:nvSpPr>
+            <p:cNvPr id="21" name="TextBox 20">
+              <a:extLst>
+                <a:ext uri="{FF2B5EF4-FFF2-40B4-BE49-F238E27FC236}">
+                  <a16:creationId xmlns:a16="http://schemas.microsoft.com/office/drawing/2014/main" id="{8926EBE6-2FB4-493A-B564-82C1911744EE}"/>
+                </a:ext>
+              </a:extLst>
+            </p:cNvPr>
+            <p:cNvSpPr txBox="1"/>
+            <p:nvPr/>
+          </p:nvSpPr>
+          <p:spPr>
+            <a:xfrm rot="16200000">
+              <a:off x="4078347" y="1520706"/>
+              <a:ext cx="1426687" cy="276999"/>
+            </a:xfrm>
+            <a:prstGeom prst="rect">
+              <a:avLst/>
+            </a:prstGeom>
+            <a:solidFill>
+              <a:schemeClr val="bg1"/>
+            </a:solidFill>
+          </p:spPr>
+          <p:txBody>
+            <a:bodyPr wrap="square" rtlCol="0">
+              <a:spAutoFit/>
+            </a:bodyPr>
+            <a:lstStyle/>
+            <a:p>
+              <a:r>
+                <a:rPr lang="en-US" sz="1200" dirty="0">
+                  <a:latin typeface="Times New Roman" panose="02020603050405020304" pitchFamily="18" charset="0"/>
+                  <a:cs typeface="Times New Roman" panose="02020603050405020304" pitchFamily="18" charset="0"/>
+                </a:rPr>
+                <a:t>Negative degree</a:t>
+              </a:r>
+            </a:p>
+          </p:txBody>
+        </p:sp>
+        <p:sp>
+          <p:nvSpPr>
+            <p:cNvPr id="22" name="TextBox 21">
+              <a:extLst>
+                <a:ext uri="{FF2B5EF4-FFF2-40B4-BE49-F238E27FC236}">
+                  <a16:creationId xmlns:a16="http://schemas.microsoft.com/office/drawing/2014/main" id="{49DA3441-72AD-428A-B55B-6BC82D03CECD}"/>
+                </a:ext>
+              </a:extLst>
+            </p:cNvPr>
+            <p:cNvSpPr txBox="1"/>
+            <p:nvPr/>
+          </p:nvSpPr>
+          <p:spPr>
+            <a:xfrm>
+              <a:off x="5340281" y="330266"/>
+              <a:ext cx="3753167" cy="276999"/>
+            </a:xfrm>
+            <a:prstGeom prst="rect">
+              <a:avLst/>
+            </a:prstGeom>
+            <a:solidFill>
+              <a:schemeClr val="bg1"/>
+            </a:solidFill>
+          </p:spPr>
+          <p:txBody>
+            <a:bodyPr wrap="square" rtlCol="0">
+              <a:spAutoFit/>
+            </a:bodyPr>
+            <a:lstStyle/>
+            <a:p>
+              <a:r>
+                <a:rPr lang="en-US" sz="1200" dirty="0">
+                  <a:latin typeface="Times New Roman" panose="02020603050405020304" pitchFamily="18" charset="0"/>
+                  <a:cs typeface="Times New Roman" panose="02020603050405020304" pitchFamily="18" charset="0"/>
+                </a:rPr>
+                <a:t>                  Targets in Random Negatives</a:t>
+              </a:r>
+            </a:p>
+          </p:txBody>
+        </p:sp>
+      </p:grpSp>
+      <p:sp>
+        <p:nvSpPr>
+          <p:cNvPr id="23" name="TextBox 22">
+            <a:extLst>
+              <a:ext uri="{FF2B5EF4-FFF2-40B4-BE49-F238E27FC236}">
+                <a16:creationId xmlns:a16="http://schemas.microsoft.com/office/drawing/2014/main" id="{5B961768-BC37-48A5-B3EA-A9F6D373F585}"/>
+              </a:ext>
+            </a:extLst>
+          </p:cNvPr>
+          <p:cNvSpPr txBox="1"/>
+          <p:nvPr/>
+        </p:nvSpPr>
+        <p:spPr>
+          <a:xfrm>
+            <a:off x="5250841" y="3969234"/>
+            <a:ext cx="3753167" cy="276999"/>
+          </a:xfrm>
+          <a:prstGeom prst="rect">
+            <a:avLst/>
+          </a:prstGeom>
+          <a:solidFill>
+            <a:schemeClr val="bg1"/>
+          </a:solidFill>
+        </p:spPr>
+        <p:txBody>
+          <a:bodyPr wrap="square" rtlCol="0">
+            <a:spAutoFit/>
+          </a:bodyPr>
+          <a:lstStyle/>
+          <a:p>
+            <a:r>
+              <a:rPr lang="en-US" sz="1200" dirty="0">
+                <a:latin typeface="Times New Roman" panose="02020603050405020304" pitchFamily="18" charset="0"/>
+                <a:cs typeface="Times New Roman" panose="02020603050405020304" pitchFamily="18" charset="0"/>
+              </a:rPr>
+              <a:t>                  Targets in Network-Derived Negatives</a:t>
+            </a:r>
+          </a:p>
+        </p:txBody>
+      </p:sp>
+      <p:sp>
+        <p:nvSpPr>
+          <p:cNvPr id="24" name="TextBox 23">
+            <a:extLst>
+              <a:ext uri="{FF2B5EF4-FFF2-40B4-BE49-F238E27FC236}">
+                <a16:creationId xmlns:a16="http://schemas.microsoft.com/office/drawing/2014/main" id="{4B6954E5-AEAC-4A5E-B398-EBBB5E778B61}"/>
+              </a:ext>
+            </a:extLst>
+          </p:cNvPr>
+          <p:cNvSpPr txBox="1"/>
+          <p:nvPr/>
+        </p:nvSpPr>
+        <p:spPr>
+          <a:xfrm rot="16200000">
+            <a:off x="4068197" y="5202384"/>
+            <a:ext cx="1426687" cy="276999"/>
+          </a:xfrm>
+          <a:prstGeom prst="rect">
+            <a:avLst/>
+          </a:prstGeom>
+          <a:solidFill>
+            <a:schemeClr val="bg1"/>
+          </a:solidFill>
+        </p:spPr>
+        <p:txBody>
+          <a:bodyPr wrap="square" rtlCol="0">
+            <a:spAutoFit/>
+          </a:bodyPr>
+          <a:lstStyle/>
+          <a:p>
+            <a:r>
+              <a:rPr lang="en-US" sz="1200" dirty="0">
+                <a:latin typeface="Times New Roman" panose="02020603050405020304" pitchFamily="18" charset="0"/>
+                <a:cs typeface="Times New Roman" panose="02020603050405020304" pitchFamily="18" charset="0"/>
+              </a:rPr>
+              <a:t>Negative degree</a:t>
             </a:r>
           </a:p>
         </p:txBody>
